--- a/Projet Internet des Objets.pptx
+++ b/Projet Internet des Objets.pptx
@@ -13,6 +13,8 @@
     <p:sldId id="261" r:id="rId7"/>
     <p:sldId id="262" r:id="rId8"/>
     <p:sldId id="263" r:id="rId9"/>
+    <p:sldId id="264" r:id="rId10"/>
+    <p:sldId id="265" r:id="rId11"/>
   </p:sldIdLst>
   <p:sldSz cx="12192000" cy="6858000"/>
   <p:notesSz cx="6858000" cy="9144000"/>
@@ -111,6 +113,11 @@
       </a:defRPr>
     </a:lvl9pPr>
   </p:defaultTextStyle>
+  <p:extLst>
+    <p:ext uri="{EFAFB233-063F-42B5-8137-9DF3F51BA10A}">
+      <p15:sldGuideLst xmlns:p15="http://schemas.microsoft.com/office/powerpoint/2012/main"/>
+    </p:ext>
+  </p:extLst>
 </p:presentation>
 </file>
 
@@ -7777,6 +7784,126 @@
 </p:sld>
 </file>
 
+<file path=ppt/slides/slide10.xml><?xml version="1.0" encoding="utf-8"?>
+<p:sld xmlns:a="http://schemas.openxmlformats.org/drawingml/2006/main" xmlns:r="http://schemas.openxmlformats.org/officeDocument/2006/relationships" xmlns:p="http://schemas.openxmlformats.org/presentationml/2006/main">
+  <p:cSld>
+    <p:spTree>
+      <p:nvGrpSpPr>
+        <p:cNvPr id="1" name=""/>
+        <p:cNvGrpSpPr/>
+        <p:nvPr/>
+      </p:nvGrpSpPr>
+      <p:grpSpPr>
+        <a:xfrm>
+          <a:off x="0" y="0"/>
+          <a:ext cx="0" cy="0"/>
+          <a:chOff x="0" y="0"/>
+          <a:chExt cx="0" cy="0"/>
+        </a:xfrm>
+      </p:grpSpPr>
+      <p:sp>
+        <p:nvSpPr>
+          <p:cNvPr id="2" name="Titre 1"/>
+          <p:cNvSpPr>
+            <a:spLocks noGrp="1"/>
+          </p:cNvSpPr>
+          <p:nvPr>
+            <p:ph type="title"/>
+          </p:nvPr>
+        </p:nvSpPr>
+        <p:spPr/>
+        <p:txBody>
+          <a:bodyPr/>
+          <a:lstStyle/>
+          <a:p>
+            <a:r>
+              <a:rPr lang="fr-FR" dirty="0"/>
+              <a:t>Conclusion </a:t>
+            </a:r>
+          </a:p>
+        </p:txBody>
+      </p:sp>
+      <p:sp>
+        <p:nvSpPr>
+          <p:cNvPr id="3" name="Espace réservé du contenu 2"/>
+          <p:cNvSpPr>
+            <a:spLocks noGrp="1"/>
+          </p:cNvSpPr>
+          <p:nvPr>
+            <p:ph idx="1"/>
+          </p:nvPr>
+        </p:nvSpPr>
+        <p:spPr>
+          <a:xfrm>
+            <a:off x="2589212" y="2133600"/>
+            <a:ext cx="8915400" cy="625642"/>
+          </a:xfrm>
+        </p:spPr>
+        <p:txBody>
+          <a:bodyPr/>
+          <a:lstStyle/>
+          <a:p>
+            <a:r>
+              <a:rPr lang="fr-FR" dirty="0"/>
+              <a:t>Manque des étapes à réaliser</a:t>
+            </a:r>
+          </a:p>
+        </p:txBody>
+      </p:sp>
+      <p:pic>
+        <p:nvPicPr>
+          <p:cNvPr id="2050" name="Picture 2" descr="20150708-Solutions-problèmes-300x225.jpg (300×225)"/>
+          <p:cNvPicPr>
+            <a:picLocks noChangeAspect="1" noChangeArrowheads="1"/>
+          </p:cNvPicPr>
+          <p:nvPr/>
+        </p:nvPicPr>
+        <p:blipFill>
+          <a:blip r:embed="rId2">
+            <a:extLst>
+              <a:ext uri="{28A0092B-C50C-407E-A947-70E740481C1C}">
+                <a14:useLocalDpi xmlns:a14="http://schemas.microsoft.com/office/drawing/2010/main" val="0"/>
+              </a:ext>
+            </a:extLst>
+          </a:blip>
+          <a:srcRect/>
+          <a:stretch>
+            <a:fillRect/>
+          </a:stretch>
+        </p:blipFill>
+        <p:spPr bwMode="auto">
+          <a:xfrm>
+            <a:off x="4182142" y="2987842"/>
+            <a:ext cx="3838910" cy="2879183"/>
+          </a:xfrm>
+          <a:prstGeom prst="rect">
+            <a:avLst/>
+          </a:prstGeom>
+          <a:noFill/>
+          <a:extLst>
+            <a:ext uri="{909E8E84-426E-40DD-AFC4-6F175D3DCCD1}">
+              <a14:hiddenFill xmlns:a14="http://schemas.microsoft.com/office/drawing/2010/main">
+                <a:solidFill>
+                  <a:srgbClr val="FFFFFF"/>
+                </a:solidFill>
+              </a14:hiddenFill>
+            </a:ext>
+          </a:extLst>
+        </p:spPr>
+      </p:pic>
+    </p:spTree>
+    <p:extLst>
+      <p:ext uri="{BB962C8B-B14F-4D97-AF65-F5344CB8AC3E}">
+        <p14:creationId xmlns:p14="http://schemas.microsoft.com/office/powerpoint/2010/main" val="964030158"/>
+      </p:ext>
+    </p:extLst>
+  </p:cSld>
+  <p:clrMapOvr>
+    <a:masterClrMapping/>
+  </p:clrMapOvr>
+</p:sld>
+</file>
+
 <file path=ppt/slides/slide2.xml><?xml version="1.0" encoding="utf-8"?>
 <p:sld xmlns:a="http://schemas.openxmlformats.org/drawingml/2006/main" xmlns:r="http://schemas.openxmlformats.org/officeDocument/2006/relationships" xmlns:p="http://schemas.openxmlformats.org/presentationml/2006/main">
   <p:cSld>
@@ -7864,6 +7991,26 @@
               <a:t>NodeJS</a:t>
             </a:r>
             <a:endParaRPr lang="fr-FR" dirty="0"/>
+          </a:p>
+          <a:p>
+            <a:pPr marL="400050" indent="-400050">
+              <a:buFont typeface="+mj-lt"/>
+              <a:buAutoNum type="romanUcPeriod"/>
+            </a:pPr>
+            <a:r>
+              <a:rPr lang="fr-FR" dirty="0"/>
+              <a:t>Problèmes rencontrés</a:t>
+            </a:r>
+          </a:p>
+          <a:p>
+            <a:pPr marL="400050" indent="-400050">
+              <a:buFont typeface="+mj-lt"/>
+              <a:buAutoNum type="romanUcPeriod"/>
+            </a:pPr>
+            <a:r>
+              <a:rPr lang="fr-FR" dirty="0"/>
+              <a:t>Conclusion</a:t>
+            </a:r>
           </a:p>
         </p:txBody>
       </p:sp>
@@ -9377,6 +9524,186 @@
 </p:sld>
 </file>
 
+<file path=ppt/slides/slide9.xml><?xml version="1.0" encoding="utf-8"?>
+<p:sld xmlns:a="http://schemas.openxmlformats.org/drawingml/2006/main" xmlns:r="http://schemas.openxmlformats.org/officeDocument/2006/relationships" xmlns:p="http://schemas.openxmlformats.org/presentationml/2006/main">
+  <p:cSld>
+    <p:spTree>
+      <p:nvGrpSpPr>
+        <p:cNvPr id="1" name=""/>
+        <p:cNvGrpSpPr/>
+        <p:nvPr/>
+      </p:nvGrpSpPr>
+      <p:grpSpPr>
+        <a:xfrm>
+          <a:off x="0" y="0"/>
+          <a:ext cx="0" cy="0"/>
+          <a:chOff x="0" y="0"/>
+          <a:chExt cx="0" cy="0"/>
+        </a:xfrm>
+      </p:grpSpPr>
+      <p:sp>
+        <p:nvSpPr>
+          <p:cNvPr id="2" name="Titre 1"/>
+          <p:cNvSpPr>
+            <a:spLocks noGrp="1"/>
+          </p:cNvSpPr>
+          <p:nvPr>
+            <p:ph type="title"/>
+          </p:nvPr>
+        </p:nvSpPr>
+        <p:spPr/>
+        <p:txBody>
+          <a:bodyPr/>
+          <a:lstStyle/>
+          <a:p>
+            <a:r>
+              <a:rPr lang="fr-FR" dirty="0"/>
+              <a:t>Problèmes rencontrés</a:t>
+            </a:r>
+          </a:p>
+        </p:txBody>
+      </p:sp>
+      <p:pic>
+        <p:nvPicPr>
+          <p:cNvPr id="1026" name="Picture 2" descr="http://lifestylers.fr/wp-content/uploads/Gagner-de-largent-sur-internet-en-r%C3%A9solvant-un-probl%C3%A8me-le-v%C3%B4tre-.jpg"/>
+          <p:cNvPicPr>
+            <a:picLocks noChangeAspect="1" noChangeArrowheads="1"/>
+          </p:cNvPicPr>
+          <p:nvPr/>
+        </p:nvPicPr>
+        <p:blipFill>
+          <a:blip r:embed="rId2">
+            <a:extLst>
+              <a:ext uri="{28A0092B-C50C-407E-A947-70E740481C1C}">
+                <a14:useLocalDpi xmlns:a14="http://schemas.microsoft.com/office/drawing/2010/main" val="0"/>
+              </a:ext>
+            </a:extLst>
+          </a:blip>
+          <a:srcRect/>
+          <a:stretch>
+            <a:fillRect/>
+          </a:stretch>
+        </p:blipFill>
+        <p:spPr bwMode="auto">
+          <a:xfrm>
+            <a:off x="9639360" y="801383"/>
+            <a:ext cx="1865252" cy="1859600"/>
+          </a:xfrm>
+          <a:prstGeom prst="rect">
+            <a:avLst/>
+          </a:prstGeom>
+          <a:noFill/>
+          <a:extLst>
+            <a:ext uri="{909E8E84-426E-40DD-AFC4-6F175D3DCCD1}">
+              <a14:hiddenFill xmlns:a14="http://schemas.microsoft.com/office/drawing/2010/main">
+                <a:solidFill>
+                  <a:srgbClr val="FFFFFF"/>
+                </a:solidFill>
+              </a14:hiddenFill>
+            </a:ext>
+          </a:extLst>
+        </p:spPr>
+      </p:pic>
+      <p:pic>
+        <p:nvPicPr>
+          <p:cNvPr id="1028" name="Picture 4" descr="http://cdn.ttgtmedia.com/rms/LeMagIT/images/nodejs-logo.png"/>
+          <p:cNvPicPr>
+            <a:picLocks noChangeAspect="1" noChangeArrowheads="1"/>
+          </p:cNvPicPr>
+          <p:nvPr/>
+        </p:nvPicPr>
+        <p:blipFill>
+          <a:blip r:embed="rId3">
+            <a:extLst>
+              <a:ext uri="{28A0092B-C50C-407E-A947-70E740481C1C}">
+                <a14:useLocalDpi xmlns:a14="http://schemas.microsoft.com/office/drawing/2010/main" val="0"/>
+              </a:ext>
+            </a:extLst>
+          </a:blip>
+          <a:srcRect/>
+          <a:stretch>
+            <a:fillRect/>
+          </a:stretch>
+        </p:blipFill>
+        <p:spPr bwMode="auto">
+          <a:xfrm>
+            <a:off x="3210449" y="3609472"/>
+            <a:ext cx="3910218" cy="1955109"/>
+          </a:xfrm>
+          <a:prstGeom prst="rect">
+            <a:avLst/>
+          </a:prstGeom>
+          <a:noFill/>
+          <a:extLst>
+            <a:ext uri="{909E8E84-426E-40DD-AFC4-6F175D3DCCD1}">
+              <a14:hiddenFill xmlns:a14="http://schemas.microsoft.com/office/drawing/2010/main">
+                <a:solidFill>
+                  <a:srgbClr val="FFFFFF"/>
+                </a:solidFill>
+              </a14:hiddenFill>
+            </a:ext>
+          </a:extLst>
+        </p:spPr>
+      </p:pic>
+      <p:sp>
+        <p:nvSpPr>
+          <p:cNvPr id="4" name="ZoneTexte 3"/>
+          <p:cNvSpPr txBox="1"/>
+          <p:nvPr/>
+        </p:nvSpPr>
+        <p:spPr>
+          <a:xfrm>
+            <a:off x="2839453" y="2153152"/>
+            <a:ext cx="4652211" cy="1015663"/>
+          </a:xfrm>
+          <a:prstGeom prst="rect">
+            <a:avLst/>
+          </a:prstGeom>
+          <a:noFill/>
+        </p:spPr>
+        <p:txBody>
+          <a:bodyPr wrap="square" rtlCol="0">
+            <a:spAutoFit/>
+          </a:bodyPr>
+          <a:lstStyle/>
+          <a:p>
+            <a:pPr marL="285750" indent="-285750">
+              <a:buFont typeface="Arial" panose="020B0604020202020204" pitchFamily="34" charset="0"/>
+              <a:buChar char="•"/>
+            </a:pPr>
+            <a:r>
+              <a:rPr lang="fr-FR" sz="2000" dirty="0"/>
+              <a:t>Récupérer les données</a:t>
+            </a:r>
+          </a:p>
+          <a:p>
+            <a:endParaRPr lang="fr-FR" sz="2000" dirty="0"/>
+          </a:p>
+          <a:p>
+            <a:pPr marL="285750" indent="-285750">
+              <a:buFont typeface="Arial" panose="020B0604020202020204" pitchFamily="34" charset="0"/>
+              <a:buChar char="•"/>
+            </a:pPr>
+            <a:r>
+              <a:rPr lang="fr-FR" sz="2000" dirty="0"/>
+              <a:t>Afficher graphiquement</a:t>
+            </a:r>
+          </a:p>
+        </p:txBody>
+      </p:sp>
+    </p:spTree>
+    <p:extLst>
+      <p:ext uri="{BB962C8B-B14F-4D97-AF65-F5344CB8AC3E}">
+        <p14:creationId xmlns:p14="http://schemas.microsoft.com/office/powerpoint/2010/main" val="3060571928"/>
+      </p:ext>
+    </p:extLst>
+  </p:cSld>
+  <p:clrMapOvr>
+    <a:masterClrMapping/>
+  </p:clrMapOvr>
+</p:sld>
+</file>
+
 <file path=ppt/theme/theme1.xml><?xml version="1.0" encoding="utf-8"?>
 <a:theme xmlns:a="http://schemas.openxmlformats.org/drawingml/2006/main" name="Brin">
   <a:themeElements>

--- a/Projet Internet des Objets.pptx
+++ b/Projet Internet des Objets.pptx
@@ -9493,8 +9493,8 @@
         </p:blipFill>
         <p:spPr>
           <a:xfrm>
-            <a:off x="2703443" y="1709530"/>
-            <a:ext cx="8367831" cy="4227036"/>
+            <a:off x="5005137" y="2662989"/>
+            <a:ext cx="6322811" cy="3401913"/>
           </a:xfrm>
           <a:prstGeom prst="rect">
             <a:avLst/>
@@ -9511,6 +9511,53 @@
           </a:effectLst>
         </p:spPr>
       </p:pic>
+      <p:sp>
+        <p:nvSpPr>
+          <p:cNvPr id="3" name="ZoneTexte 2"/>
+          <p:cNvSpPr txBox="1"/>
+          <p:nvPr/>
+        </p:nvSpPr>
+        <p:spPr>
+          <a:xfrm>
+            <a:off x="2069432" y="2342147"/>
+            <a:ext cx="2935705" cy="1015663"/>
+          </a:xfrm>
+          <a:prstGeom prst="rect">
+            <a:avLst/>
+          </a:prstGeom>
+          <a:noFill/>
+        </p:spPr>
+        <p:txBody>
+          <a:bodyPr wrap="square" rtlCol="0">
+            <a:spAutoFit/>
+          </a:bodyPr>
+          <a:lstStyle/>
+          <a:p>
+            <a:pPr marL="285750" indent="-285750">
+              <a:buFont typeface="Arial" panose="020B0604020202020204" pitchFamily="34" charset="0"/>
+              <a:buChar char="•"/>
+            </a:pPr>
+            <a:r>
+              <a:rPr lang="fr-FR" sz="2000" dirty="0" err="1"/>
+              <a:t>Hightchart</a:t>
+            </a:r>
+            <a:endParaRPr lang="fr-FR" sz="2000" dirty="0"/>
+          </a:p>
+          <a:p>
+            <a:endParaRPr lang="fr-FR" sz="2000" dirty="0"/>
+          </a:p>
+          <a:p>
+            <a:pPr marL="285750" indent="-285750">
+              <a:buFont typeface="Arial" panose="020B0604020202020204" pitchFamily="34" charset="0"/>
+              <a:buChar char="•"/>
+            </a:pPr>
+            <a:r>
+              <a:rPr lang="fr-FR" sz="2000" dirty="0"/>
+              <a:t>Base de données </a:t>
+            </a:r>
+          </a:p>
+        </p:txBody>
+      </p:sp>
     </p:spTree>
     <p:extLst>
       <p:ext uri="{BB962C8B-B14F-4D97-AF65-F5344CB8AC3E}">
@@ -9654,7 +9701,7 @@
         <p:spPr>
           <a:xfrm>
             <a:off x="2839453" y="2153152"/>
-            <a:ext cx="4652211" cy="1015663"/>
+            <a:ext cx="4652211" cy="1631216"/>
           </a:xfrm>
           <a:prstGeom prst="rect">
             <a:avLst/>
@@ -9674,6 +9721,19 @@
             <a:r>
               <a:rPr lang="fr-FR" sz="2000" dirty="0"/>
               <a:t>Récupérer les données</a:t>
+            </a:r>
+          </a:p>
+          <a:p>
+            <a:endParaRPr lang="fr-FR" sz="2000" dirty="0"/>
+          </a:p>
+          <a:p>
+            <a:pPr marL="342900" indent="-342900">
+              <a:buFont typeface="Arial" panose="020B0604020202020204" pitchFamily="34" charset="0"/>
+              <a:buChar char="•"/>
+            </a:pPr>
+            <a:r>
+              <a:rPr lang="fr-FR" sz="2000" dirty="0"/>
+              <a:t>Modification des données</a:t>
             </a:r>
           </a:p>
           <a:p>
